--- a/Documentation/Bemutató2.pptx
+++ b/Documentation/Bemutató2.pptx
@@ -6581,15 +6581,29 @@
             <a:pPr lvl="1"/>
             <a:r>
               <a:rPr lang="hu-HU" dirty="0" smtClean="0"/>
-              <a:t>Chat ablak</a:t>
-            </a:r>
+              <a:t>Chat </a:t>
+            </a:r>
+            <a:r>
+              <a:rPr lang="hu-HU" dirty="0" smtClean="0"/>
+              <a:t>ablak a kölcsönzővel</a:t>
+            </a:r>
+            <a:endParaRPr lang="hu-HU" dirty="0" smtClean="0"/>
           </a:p>
           <a:p>
             <a:pPr lvl="1"/>
             <a:r>
               <a:rPr lang="hu-HU" dirty="0" smtClean="0"/>
-              <a:t>Statisztikák (az autókról – ADMIN)</a:t>
-            </a:r>
+              <a:t>Statisztikák (az autókról – </a:t>
+            </a:r>
+            <a:r>
+              <a:rPr lang="hu-HU" dirty="0" err="1" smtClean="0"/>
+              <a:t>Admin</a:t>
+            </a:r>
+            <a:r>
+              <a:rPr lang="hu-HU" dirty="0" smtClean="0"/>
+              <a:t> funkciók)</a:t>
+            </a:r>
+            <a:endParaRPr lang="hu-HU" dirty="0" smtClean="0"/>
           </a:p>
           <a:p>
             <a:pPr lvl="1"/>
@@ -6602,7 +6616,18 @@
             <a:pPr lvl="1"/>
             <a:r>
               <a:rPr lang="hu-HU" dirty="0" smtClean="0"/>
-              <a:t>További szűrők</a:t>
+              <a:t>További </a:t>
+            </a:r>
+            <a:r>
+              <a:rPr lang="hu-HU" dirty="0" smtClean="0"/>
+              <a:t>szűrők</a:t>
+            </a:r>
+          </a:p>
+          <a:p>
+            <a:pPr lvl="1"/>
+            <a:r>
+              <a:rPr lang="hu-HU" dirty="0" smtClean="0"/>
+              <a:t>Online fizetés modul</a:t>
             </a:r>
             <a:endParaRPr lang="hu-HU" dirty="0"/>
           </a:p>
@@ -8427,11 +8452,7 @@
             </a:r>
             <a:r>
               <a:rPr lang="hu-HU" dirty="0" smtClean="0"/>
-              <a:t> </a:t>
-            </a:r>
-            <a:r>
-              <a:rPr lang="hu-HU" dirty="0" smtClean="0"/>
-              <a:t>funkciók</a:t>
+              <a:t> funkciók</a:t>
             </a:r>
             <a:endParaRPr lang="hu-HU" dirty="0"/>
           </a:p>
@@ -8459,11 +8480,7 @@
           <a:p>
             <a:r>
               <a:rPr lang="hu-HU" dirty="0" smtClean="0"/>
-              <a:t>Autók </a:t>
-            </a:r>
-            <a:r>
-              <a:rPr lang="hu-HU" dirty="0" smtClean="0"/>
-              <a:t>kezelése</a:t>
+              <a:t>Autók kezelése</a:t>
             </a:r>
           </a:p>
           <a:p>
@@ -8817,7 +8834,6 @@
               <a:rPr lang="hu-HU" dirty="0" smtClean="0"/>
               <a:t>Böngészés</a:t>
             </a:r>
-            <a:endParaRPr lang="hu-HU" dirty="0" smtClean="0"/>
           </a:p>
           <a:p>
             <a:r>
